--- a/meeting/20180615.pptx
+++ b/meeting/20180615.pptx
@@ -4898,8 +4898,8 @@
         </p:nvSpPr>
         <p:spPr>
           <a:xfrm>
-            <a:off x="4234069" y="1669774"/>
-            <a:ext cx="4950394" cy="4093428"/>
+            <a:off x="4335653" y="2019877"/>
+            <a:ext cx="4891083" cy="3785652"/>
           </a:xfrm>
           <a:prstGeom prst="rect">
             <a:avLst/>
@@ -4912,37 +4912,6 @@
           </a:bodyPr>
           <a:lstStyle/>
           <a:p>
-            <a:pPr marL="457200" indent="-457200">
-              <a:buFont typeface="+mj-ea"/>
-              <a:buAutoNum type="circleNumDbPlain"/>
-            </a:pPr>
-            <a:r>
-              <a:rPr kumimoji="1" lang="ja-JP" altLang="en-US" sz="2000">
-                <a:latin typeface="Hiragino Kaku Gothic Pro W3" panose="020B0300000000000000" pitchFamily="34" charset="-128"/>
-                <a:ea typeface="Hiragino Kaku Gothic Pro W3" panose="020B0300000000000000" pitchFamily="34" charset="-128"/>
-              </a:rPr>
-              <a:t>カレントノードを</a:t>
-            </a:r>
-            <a:r>
-              <a:rPr kumimoji="1" lang="en-US" altLang="ja-JP" sz="2000" dirty="0">
-                <a:latin typeface="Hiragino Kaku Gothic Pro W3" panose="020B0300000000000000" pitchFamily="34" charset="-128"/>
-                <a:ea typeface="Hiragino Kaku Gothic Pro W3" panose="020B0300000000000000" pitchFamily="34" charset="-128"/>
-              </a:rPr>
-              <a:t>descendant</a:t>
-            </a:r>
-            <a:r>
-              <a:rPr lang="ja-JP" altLang="en-US" sz="2000">
-                <a:latin typeface="Hiragino Kaku Gothic Pro W3" panose="020B0300000000000000" pitchFamily="34" charset="-128"/>
-                <a:ea typeface="Hiragino Kaku Gothic Pro W3" panose="020B0300000000000000" pitchFamily="34" charset="-128"/>
-              </a:rPr>
-              <a:t>で実行</a:t>
-            </a:r>
-            <a:br>
-              <a:rPr lang="en-US" altLang="ja-JP" sz="2000" dirty="0">
-                <a:latin typeface="Hiragino Kaku Gothic Pro W3" panose="020B0300000000000000" pitchFamily="34" charset="-128"/>
-                <a:ea typeface="Hiragino Kaku Gothic Pro W3" panose="020B0300000000000000" pitchFamily="34" charset="-128"/>
-              </a:rPr>
-            </a:br>
             <a:endParaRPr kumimoji="1" lang="en-US" altLang="ja-JP" sz="2000" dirty="0">
               <a:latin typeface="Hiragino Kaku Gothic Pro W3" panose="020B0300000000000000" pitchFamily="34" charset="-128"/>
               <a:ea typeface="Hiragino Kaku Gothic Pro W3" panose="020B0300000000000000" pitchFamily="34" charset="-128"/>
@@ -5453,44 +5422,6 @@
       </p:cxnSp>
       <p:sp>
         <p:nvSpPr>
-          <p:cNvPr id="28" name="テキスト ボックス 27">
-            <a:extLst>
-              <a:ext uri="{FF2B5EF4-FFF2-40B4-BE49-F238E27FC236}">
-                <a16:creationId xmlns:a16="http://schemas.microsoft.com/office/drawing/2014/main" id="{4081AD60-8793-C34A-9FDA-6724495574C4}"/>
-              </a:ext>
-            </a:extLst>
-          </p:cNvPr>
-          <p:cNvSpPr txBox="1"/>
-          <p:nvPr/>
-        </p:nvSpPr>
-        <p:spPr>
-          <a:xfrm>
-            <a:off x="535355" y="4269861"/>
-            <a:ext cx="415498" cy="369332"/>
-          </a:xfrm>
-          <a:prstGeom prst="rect">
-            <a:avLst/>
-          </a:prstGeom>
-          <a:noFill/>
-        </p:spPr>
-        <p:txBody>
-          <a:bodyPr wrap="none" rtlCol="0">
-            <a:spAutoFit/>
-          </a:bodyPr>
-          <a:lstStyle/>
-          <a:p>
-            <a:r>
-              <a:rPr kumimoji="1" lang="ja-JP" altLang="en-US">
-                <a:latin typeface="Hiragino Kaku Gothic Pro W3" panose="020B0300000000000000" pitchFamily="34" charset="-128"/>
-                <a:ea typeface="Hiragino Kaku Gothic Pro W3" panose="020B0300000000000000" pitchFamily="34" charset="-128"/>
-              </a:rPr>
-              <a:t>①</a:t>
-            </a:r>
-          </a:p>
-        </p:txBody>
-      </p:sp>
-      <p:sp>
-        <p:nvSpPr>
           <p:cNvPr id="29" name="テキスト ボックス 28">
             <a:extLst>
               <a:ext uri="{FF2B5EF4-FFF2-40B4-BE49-F238E27FC236}">
@@ -5518,16 +5449,12 @@
           <a:lstStyle/>
           <a:p>
             <a:r>
-              <a:rPr lang="ja-JP" altLang="en-US">
+              <a:rPr kumimoji="1" lang="ja-JP" altLang="en-US">
                 <a:latin typeface="Hiragino Kaku Gothic Pro W3" panose="020B0300000000000000" pitchFamily="34" charset="-128"/>
                 <a:ea typeface="Hiragino Kaku Gothic Pro W3" panose="020B0300000000000000" pitchFamily="34" charset="-128"/>
               </a:rPr>
-              <a:t>②</a:t>
-            </a:r>
-            <a:endParaRPr kumimoji="1" lang="ja-JP" altLang="en-US">
-              <a:latin typeface="Hiragino Kaku Gothic Pro W3" panose="020B0300000000000000" pitchFamily="34" charset="-128"/>
-              <a:ea typeface="Hiragino Kaku Gothic Pro W3" panose="020B0300000000000000" pitchFamily="34" charset="-128"/>
-            </a:endParaRPr>
+              <a:t>①</a:t>
+            </a:r>
           </a:p>
         </p:txBody>
       </p:sp>
@@ -5560,11 +5487,11 @@
           <a:lstStyle/>
           <a:p>
             <a:r>
-              <a:rPr lang="ja-JP" altLang="en-US">
+              <a:rPr kumimoji="1" lang="en-US" altLang="ja-JP" dirty="0">
                 <a:latin typeface="Hiragino Kaku Gothic Pro W3" panose="020B0300000000000000" pitchFamily="34" charset="-128"/>
                 <a:ea typeface="Hiragino Kaku Gothic Pro W3" panose="020B0300000000000000" pitchFamily="34" charset="-128"/>
               </a:rPr>
-              <a:t>②</a:t>
+              <a:t>①</a:t>
             </a:r>
             <a:endParaRPr kumimoji="1" lang="ja-JP" altLang="en-US">
               <a:latin typeface="Hiragino Kaku Gothic Pro W3" panose="020B0300000000000000" pitchFamily="34" charset="-128"/>
@@ -5602,16 +5529,12 @@
           <a:lstStyle/>
           <a:p>
             <a:r>
-              <a:rPr lang="ja-JP" altLang="en-US">
+              <a:rPr kumimoji="1" lang="ja-JP" altLang="en-US">
                 <a:latin typeface="Hiragino Kaku Gothic Pro W3" panose="020B0300000000000000" pitchFamily="34" charset="-128"/>
                 <a:ea typeface="Hiragino Kaku Gothic Pro W3" panose="020B0300000000000000" pitchFamily="34" charset="-128"/>
               </a:rPr>
-              <a:t>②</a:t>
-            </a:r>
-            <a:endParaRPr kumimoji="1" lang="ja-JP" altLang="en-US">
-              <a:latin typeface="Hiragino Kaku Gothic Pro W3" panose="020B0300000000000000" pitchFamily="34" charset="-128"/>
-              <a:ea typeface="Hiragino Kaku Gothic Pro W3" panose="020B0300000000000000" pitchFamily="34" charset="-128"/>
-            </a:endParaRPr>
+              <a:t>①</a:t>
+            </a:r>
           </a:p>
         </p:txBody>
       </p:sp>
@@ -5644,16 +5567,12 @@
           <a:lstStyle/>
           <a:p>
             <a:r>
-              <a:rPr lang="ja-JP" altLang="en-US">
+              <a:rPr kumimoji="1" lang="ja-JP" altLang="en-US">
                 <a:latin typeface="Hiragino Kaku Gothic Pro W3" panose="020B0300000000000000" pitchFamily="34" charset="-128"/>
                 <a:ea typeface="Hiragino Kaku Gothic Pro W3" panose="020B0300000000000000" pitchFamily="34" charset="-128"/>
               </a:rPr>
-              <a:t>②</a:t>
-            </a:r>
-            <a:endParaRPr kumimoji="1" lang="ja-JP" altLang="en-US">
-              <a:latin typeface="Hiragino Kaku Gothic Pro W3" panose="020B0300000000000000" pitchFamily="34" charset="-128"/>
-              <a:ea typeface="Hiragino Kaku Gothic Pro W3" panose="020B0300000000000000" pitchFamily="34" charset="-128"/>
-            </a:endParaRPr>
+              <a:t>①</a:t>
+            </a:r>
           </a:p>
         </p:txBody>
       </p:sp>
@@ -5686,12 +5605,16 @@
           <a:lstStyle/>
           <a:p>
             <a:r>
-              <a:rPr kumimoji="1" lang="ja-JP" altLang="en-US">
+              <a:rPr lang="ja-JP" altLang="en-US">
                 <a:latin typeface="Hiragino Kaku Gothic Pro W3" panose="020B0300000000000000" pitchFamily="34" charset="-128"/>
                 <a:ea typeface="Hiragino Kaku Gothic Pro W3" panose="020B0300000000000000" pitchFamily="34" charset="-128"/>
               </a:rPr>
-              <a:t>③</a:t>
-            </a:r>
+              <a:t>②</a:t>
+            </a:r>
+            <a:endParaRPr kumimoji="1" lang="ja-JP" altLang="en-US">
+              <a:latin typeface="Hiragino Kaku Gothic Pro W3" panose="020B0300000000000000" pitchFamily="34" charset="-128"/>
+              <a:ea typeface="Hiragino Kaku Gothic Pro W3" panose="020B0300000000000000" pitchFamily="34" charset="-128"/>
+            </a:endParaRPr>
           </a:p>
         </p:txBody>
       </p:sp>
@@ -5724,16 +5647,12 @@
           <a:lstStyle/>
           <a:p>
             <a:r>
-              <a:rPr lang="ja-JP" altLang="en-US">
+              <a:rPr kumimoji="1" lang="ja-JP" altLang="en-US">
                 <a:latin typeface="Hiragino Kaku Gothic Pro W3" panose="020B0300000000000000" pitchFamily="34" charset="-128"/>
                 <a:ea typeface="Hiragino Kaku Gothic Pro W3" panose="020B0300000000000000" pitchFamily="34" charset="-128"/>
               </a:rPr>
-              <a:t>②</a:t>
-            </a:r>
-            <a:endParaRPr kumimoji="1" lang="ja-JP" altLang="en-US">
-              <a:latin typeface="Hiragino Kaku Gothic Pro W3" panose="020B0300000000000000" pitchFamily="34" charset="-128"/>
-              <a:ea typeface="Hiragino Kaku Gothic Pro W3" panose="020B0300000000000000" pitchFamily="34" charset="-128"/>
-            </a:endParaRPr>
+              <a:t>①</a:t>
+            </a:r>
           </a:p>
         </p:txBody>
       </p:sp>
@@ -5766,16 +5685,12 @@
           <a:lstStyle/>
           <a:p>
             <a:r>
-              <a:rPr lang="ja-JP" altLang="en-US">
+              <a:rPr kumimoji="1" lang="ja-JP" altLang="en-US">
                 <a:latin typeface="Hiragino Kaku Gothic Pro W3" panose="020B0300000000000000" pitchFamily="34" charset="-128"/>
                 <a:ea typeface="Hiragino Kaku Gothic Pro W3" panose="020B0300000000000000" pitchFamily="34" charset="-128"/>
               </a:rPr>
-              <a:t>②</a:t>
-            </a:r>
-            <a:endParaRPr kumimoji="1" lang="ja-JP" altLang="en-US">
-              <a:latin typeface="Hiragino Kaku Gothic Pro W3" panose="020B0300000000000000" pitchFamily="34" charset="-128"/>
-              <a:ea typeface="Hiragino Kaku Gothic Pro W3" panose="020B0300000000000000" pitchFamily="34" charset="-128"/>
-            </a:endParaRPr>
+              <a:t>①</a:t>
+            </a:r>
           </a:p>
         </p:txBody>
       </p:sp>
@@ -5808,12 +5723,16 @@
           <a:lstStyle/>
           <a:p>
             <a:r>
-              <a:rPr kumimoji="1" lang="ja-JP" altLang="en-US">
+              <a:rPr lang="ja-JP" altLang="en-US">
                 <a:latin typeface="Hiragino Kaku Gothic Pro W3" panose="020B0300000000000000" pitchFamily="34" charset="-128"/>
                 <a:ea typeface="Hiragino Kaku Gothic Pro W3" panose="020B0300000000000000" pitchFamily="34" charset="-128"/>
               </a:rPr>
-              <a:t>④</a:t>
-            </a:r>
+              <a:t>③</a:t>
+            </a:r>
+            <a:endParaRPr kumimoji="1" lang="ja-JP" altLang="en-US">
+              <a:latin typeface="Hiragino Kaku Gothic Pro W3" panose="020B0300000000000000" pitchFamily="34" charset="-128"/>
+              <a:ea typeface="Hiragino Kaku Gothic Pro W3" panose="020B0300000000000000" pitchFamily="34" charset="-128"/>
+            </a:endParaRPr>
           </a:p>
         </p:txBody>
       </p:sp>
@@ -5893,12 +5812,16 @@
           <a:lstStyle/>
           <a:p>
             <a:r>
-              <a:rPr kumimoji="1" lang="ja-JP" altLang="en-US">
+              <a:rPr lang="ja-JP" altLang="en-US">
                 <a:latin typeface="Hiragino Kaku Gothic Pro W3" panose="020B0300000000000000" pitchFamily="34" charset="-128"/>
                 <a:ea typeface="Hiragino Kaku Gothic Pro W3" panose="020B0300000000000000" pitchFamily="34" charset="-128"/>
               </a:rPr>
-              <a:t>③</a:t>
-            </a:r>
+              <a:t>②</a:t>
+            </a:r>
+            <a:endParaRPr kumimoji="1" lang="ja-JP" altLang="en-US">
+              <a:latin typeface="Hiragino Kaku Gothic Pro W3" panose="020B0300000000000000" pitchFamily="34" charset="-128"/>
+              <a:ea typeface="Hiragino Kaku Gothic Pro W3" panose="020B0300000000000000" pitchFamily="34" charset="-128"/>
+            </a:endParaRPr>
           </a:p>
         </p:txBody>
       </p:sp>
